--- a/초안(수정).pptx
+++ b/초안(수정).pptx
@@ -10,7 +10,8 @@
     <p:sldId id="263" r:id="rId4"/>
     <p:sldId id="258" r:id="rId5"/>
     <p:sldId id="264" r:id="rId6"/>
-    <p:sldId id="265" r:id="rId7"/>
+    <p:sldId id="266" r:id="rId7"/>
+    <p:sldId id="265" r:id="rId8"/>
   </p:sldIdLst>
   <p:sldSz cx="12192000" cy="6858000"/>
   <p:notesSz cx="6858000" cy="9144000"/>
@@ -4015,6 +4016,72 @@
 </file>
 
 <file path=ppt/slides/slide6.xml><?xml version="1.0" encoding="utf-8"?>
+<p:sld xmlns:a="http://schemas.openxmlformats.org/drawingml/2006/main" xmlns:r="http://schemas.openxmlformats.org/officeDocument/2006/relationships" xmlns:p="http://schemas.openxmlformats.org/presentationml/2006/main">
+  <p:cSld>
+    <p:spTree>
+      <p:nvGrpSpPr>
+        <p:cNvPr id="1" name=""/>
+        <p:cNvGrpSpPr/>
+        <p:nvPr/>
+      </p:nvGrpSpPr>
+      <p:grpSpPr>
+        <a:xfrm>
+          <a:off x="0" y="0"/>
+          <a:ext cx="0" cy="0"/>
+          <a:chOff x="0" y="0"/>
+          <a:chExt cx="0" cy="0"/>
+        </a:xfrm>
+      </p:grpSpPr>
+      <p:pic>
+        <p:nvPicPr>
+          <p:cNvPr id="9" name="그림 8">
+            <a:extLst>
+              <a:ext uri="{FF2B5EF4-FFF2-40B4-BE49-F238E27FC236}">
+                <a16:creationId xmlns:a16="http://schemas.microsoft.com/office/drawing/2014/main" id="{DE6531FF-C70A-4137-9568-81F7E68575A1}"/>
+              </a:ext>
+            </a:extLst>
+          </p:cNvPr>
+          <p:cNvPicPr>
+            <a:picLocks noChangeAspect="1"/>
+          </p:cNvPicPr>
+          <p:nvPr/>
+        </p:nvPicPr>
+        <p:blipFill>
+          <a:blip r:embed="rId2">
+            <a:extLst>
+              <a:ext uri="{28A0092B-C50C-407E-A947-70E740481C1C}">
+                <a14:useLocalDpi xmlns:a14="http://schemas.microsoft.com/office/drawing/2010/main" val="0"/>
+              </a:ext>
+            </a:extLst>
+          </a:blip>
+          <a:stretch>
+            <a:fillRect/>
+          </a:stretch>
+        </p:blipFill>
+        <p:spPr>
+          <a:xfrm>
+            <a:off x="0" y="115008"/>
+            <a:ext cx="12192000" cy="6627983"/>
+          </a:xfrm>
+          <a:prstGeom prst="rect">
+            <a:avLst/>
+          </a:prstGeom>
+        </p:spPr>
+      </p:pic>
+    </p:spTree>
+    <p:extLst>
+      <p:ext uri="{BB962C8B-B14F-4D97-AF65-F5344CB8AC3E}">
+        <p14:creationId xmlns:p14="http://schemas.microsoft.com/office/powerpoint/2010/main" val="2666535344"/>
+      </p:ext>
+    </p:extLst>
+  </p:cSld>
+  <p:clrMapOvr>
+    <a:masterClrMapping/>
+  </p:clrMapOvr>
+</p:sld>
+</file>
+
+<file path=ppt/slides/slide7.xml><?xml version="1.0" encoding="utf-8"?>
 <p:sld xmlns:a="http://schemas.openxmlformats.org/drawingml/2006/main" xmlns:r="http://schemas.openxmlformats.org/officeDocument/2006/relationships" xmlns:p="http://schemas.openxmlformats.org/presentationml/2006/main">
   <p:cSld>
     <p:spTree>

--- a/초안(수정).pptx
+++ b/초안(수정).pptx
@@ -12,6 +12,7 @@
     <p:sldId id="264" r:id="rId6"/>
     <p:sldId id="266" r:id="rId7"/>
     <p:sldId id="265" r:id="rId8"/>
+    <p:sldId id="267" r:id="rId9"/>
   </p:sldIdLst>
   <p:sldSz cx="12192000" cy="6858000"/>
   <p:notesSz cx="6858000" cy="9144000"/>
@@ -4195,6 +4196,72 @@
 </p:sld>
 </file>
 
+<file path=ppt/slides/slide8.xml><?xml version="1.0" encoding="utf-8"?>
+<p:sld xmlns:a="http://schemas.openxmlformats.org/drawingml/2006/main" xmlns:r="http://schemas.openxmlformats.org/officeDocument/2006/relationships" xmlns:p="http://schemas.openxmlformats.org/presentationml/2006/main">
+  <p:cSld>
+    <p:spTree>
+      <p:nvGrpSpPr>
+        <p:cNvPr id="1" name=""/>
+        <p:cNvGrpSpPr/>
+        <p:nvPr/>
+      </p:nvGrpSpPr>
+      <p:grpSpPr>
+        <a:xfrm>
+          <a:off x="0" y="0"/>
+          <a:ext cx="0" cy="0"/>
+          <a:chOff x="0" y="0"/>
+          <a:chExt cx="0" cy="0"/>
+        </a:xfrm>
+      </p:grpSpPr>
+      <p:pic>
+        <p:nvPicPr>
+          <p:cNvPr id="5" name="그림 4">
+            <a:extLst>
+              <a:ext uri="{FF2B5EF4-FFF2-40B4-BE49-F238E27FC236}">
+                <a16:creationId xmlns:a16="http://schemas.microsoft.com/office/drawing/2014/main" id="{C78D7132-4FEF-4544-A012-5D123FEA274F}"/>
+              </a:ext>
+            </a:extLst>
+          </p:cNvPr>
+          <p:cNvPicPr>
+            <a:picLocks noChangeAspect="1"/>
+          </p:cNvPicPr>
+          <p:nvPr/>
+        </p:nvPicPr>
+        <p:blipFill>
+          <a:blip r:embed="rId2">
+            <a:extLst>
+              <a:ext uri="{28A0092B-C50C-407E-A947-70E740481C1C}">
+                <a14:useLocalDpi xmlns:a14="http://schemas.microsoft.com/office/drawing/2010/main" val="0"/>
+              </a:ext>
+            </a:extLst>
+          </a:blip>
+          <a:stretch>
+            <a:fillRect/>
+          </a:stretch>
+        </p:blipFill>
+        <p:spPr>
+          <a:xfrm>
+            <a:off x="0" y="711309"/>
+            <a:ext cx="12192000" cy="5435382"/>
+          </a:xfrm>
+          <a:prstGeom prst="rect">
+            <a:avLst/>
+          </a:prstGeom>
+        </p:spPr>
+      </p:pic>
+    </p:spTree>
+    <p:extLst>
+      <p:ext uri="{BB962C8B-B14F-4D97-AF65-F5344CB8AC3E}">
+        <p14:creationId xmlns:p14="http://schemas.microsoft.com/office/powerpoint/2010/main" val="2974955949"/>
+      </p:ext>
+    </p:extLst>
+  </p:cSld>
+  <p:clrMapOvr>
+    <a:masterClrMapping/>
+  </p:clrMapOvr>
+</p:sld>
+</file>
+
 <file path=ppt/theme/theme1.xml><?xml version="1.0" encoding="utf-8"?>
 <a:theme xmlns:a="http://schemas.openxmlformats.org/drawingml/2006/main" name="Office 테마">
   <a:themeElements>

--- a/초안(수정).pptx
+++ b/초안(수정).pptx
@@ -11,8 +11,9 @@
     <p:sldId id="258" r:id="rId5"/>
     <p:sldId id="264" r:id="rId6"/>
     <p:sldId id="266" r:id="rId7"/>
-    <p:sldId id="265" r:id="rId8"/>
-    <p:sldId id="267" r:id="rId9"/>
+    <p:sldId id="267" r:id="rId8"/>
+    <p:sldId id="268" r:id="rId9"/>
+    <p:sldId id="265" r:id="rId10"/>
   </p:sldIdLst>
   <p:sldSz cx="12192000" cy="6858000"/>
   <p:notesSz cx="6858000" cy="9144000"/>
@@ -266,7 +267,7 @@
           <a:p>
             <a:fld id="{B5693486-662D-4A68-A501-31C04D9BB77C}" type="datetimeFigureOut">
               <a:rPr lang="ko-KR" altLang="en-US" smtClean="0"/>
-              <a:t>2021-02-01</a:t>
+              <a:t>2021-02-02</a:t>
             </a:fld>
             <a:endParaRPr lang="ko-KR" altLang="en-US"/>
           </a:p>
@@ -464,7 +465,7 @@
           <a:p>
             <a:fld id="{B5693486-662D-4A68-A501-31C04D9BB77C}" type="datetimeFigureOut">
               <a:rPr lang="ko-KR" altLang="en-US" smtClean="0"/>
-              <a:t>2021-02-01</a:t>
+              <a:t>2021-02-02</a:t>
             </a:fld>
             <a:endParaRPr lang="ko-KR" altLang="en-US"/>
           </a:p>
@@ -672,7 +673,7 @@
           <a:p>
             <a:fld id="{B5693486-662D-4A68-A501-31C04D9BB77C}" type="datetimeFigureOut">
               <a:rPr lang="ko-KR" altLang="en-US" smtClean="0"/>
-              <a:t>2021-02-01</a:t>
+              <a:t>2021-02-02</a:t>
             </a:fld>
             <a:endParaRPr lang="ko-KR" altLang="en-US"/>
           </a:p>
@@ -870,7 +871,7 @@
           <a:p>
             <a:fld id="{B5693486-662D-4A68-A501-31C04D9BB77C}" type="datetimeFigureOut">
               <a:rPr lang="ko-KR" altLang="en-US" smtClean="0"/>
-              <a:t>2021-02-01</a:t>
+              <a:t>2021-02-02</a:t>
             </a:fld>
             <a:endParaRPr lang="ko-KR" altLang="en-US"/>
           </a:p>
@@ -1145,7 +1146,7 @@
           <a:p>
             <a:fld id="{B5693486-662D-4A68-A501-31C04D9BB77C}" type="datetimeFigureOut">
               <a:rPr lang="ko-KR" altLang="en-US" smtClean="0"/>
-              <a:t>2021-02-01</a:t>
+              <a:t>2021-02-02</a:t>
             </a:fld>
             <a:endParaRPr lang="ko-KR" altLang="en-US"/>
           </a:p>
@@ -1410,7 +1411,7 @@
           <a:p>
             <a:fld id="{B5693486-662D-4A68-A501-31C04D9BB77C}" type="datetimeFigureOut">
               <a:rPr lang="ko-KR" altLang="en-US" smtClean="0"/>
-              <a:t>2021-02-01</a:t>
+              <a:t>2021-02-02</a:t>
             </a:fld>
             <a:endParaRPr lang="ko-KR" altLang="en-US"/>
           </a:p>
@@ -1822,7 +1823,7 @@
           <a:p>
             <a:fld id="{B5693486-662D-4A68-A501-31C04D9BB77C}" type="datetimeFigureOut">
               <a:rPr lang="ko-KR" altLang="en-US" smtClean="0"/>
-              <a:t>2021-02-01</a:t>
+              <a:t>2021-02-02</a:t>
             </a:fld>
             <a:endParaRPr lang="ko-KR" altLang="en-US"/>
           </a:p>
@@ -1963,7 +1964,7 @@
           <a:p>
             <a:fld id="{B5693486-662D-4A68-A501-31C04D9BB77C}" type="datetimeFigureOut">
               <a:rPr lang="ko-KR" altLang="en-US" smtClean="0"/>
-              <a:t>2021-02-01</a:t>
+              <a:t>2021-02-02</a:t>
             </a:fld>
             <a:endParaRPr lang="ko-KR" altLang="en-US"/>
           </a:p>
@@ -2076,7 +2077,7 @@
           <a:p>
             <a:fld id="{B5693486-662D-4A68-A501-31C04D9BB77C}" type="datetimeFigureOut">
               <a:rPr lang="ko-KR" altLang="en-US" smtClean="0"/>
-              <a:t>2021-02-01</a:t>
+              <a:t>2021-02-02</a:t>
             </a:fld>
             <a:endParaRPr lang="ko-KR" altLang="en-US"/>
           </a:p>
@@ -2387,7 +2388,7 @@
           <a:p>
             <a:fld id="{B5693486-662D-4A68-A501-31C04D9BB77C}" type="datetimeFigureOut">
               <a:rPr lang="ko-KR" altLang="en-US" smtClean="0"/>
-              <a:t>2021-02-01</a:t>
+              <a:t>2021-02-02</a:t>
             </a:fld>
             <a:endParaRPr lang="ko-KR" altLang="en-US"/>
           </a:p>
@@ -2675,7 +2676,7 @@
           <a:p>
             <a:fld id="{B5693486-662D-4A68-A501-31C04D9BB77C}" type="datetimeFigureOut">
               <a:rPr lang="ko-KR" altLang="en-US" smtClean="0"/>
-              <a:t>2021-02-01</a:t>
+              <a:t>2021-02-02</a:t>
             </a:fld>
             <a:endParaRPr lang="ko-KR" altLang="en-US"/>
           </a:p>
@@ -2916,7 +2917,7 @@
           <a:p>
             <a:fld id="{B5693486-662D-4A68-A501-31C04D9BB77C}" type="datetimeFigureOut">
               <a:rPr lang="ko-KR" altLang="en-US" smtClean="0"/>
-              <a:t>2021-02-01</a:t>
+              <a:t>2021-02-02</a:t>
             </a:fld>
             <a:endParaRPr lang="ko-KR" altLang="en-US"/>
           </a:p>
@@ -4099,66 +4100,12 @@
           <a:chExt cx="0" cy="0"/>
         </a:xfrm>
       </p:grpSpPr>
-      <p:sp>
-        <p:nvSpPr>
-          <p:cNvPr id="6" name="직사각형 5">
-            <a:extLst>
-              <a:ext uri="{FF2B5EF4-FFF2-40B4-BE49-F238E27FC236}">
-                <a16:creationId xmlns:a16="http://schemas.microsoft.com/office/drawing/2014/main" id="{CEED6A51-3844-408C-8D43-9FAFC83F612F}"/>
-              </a:ext>
-            </a:extLst>
-          </p:cNvPr>
-          <p:cNvSpPr/>
-          <p:nvPr/>
-        </p:nvSpPr>
-        <p:spPr>
-          <a:xfrm>
-            <a:off x="340659" y="251012"/>
-            <a:ext cx="11403106" cy="860612"/>
-          </a:xfrm>
-          <a:prstGeom prst="rect">
-            <a:avLst/>
-          </a:prstGeom>
-          <a:noFill/>
-        </p:spPr>
-        <p:style>
-          <a:lnRef idx="2">
-            <a:schemeClr val="accent1">
-              <a:shade val="50000"/>
-            </a:schemeClr>
-          </a:lnRef>
-          <a:fillRef idx="1">
-            <a:schemeClr val="accent1"/>
-          </a:fillRef>
-          <a:effectRef idx="0">
-            <a:schemeClr val="accent1"/>
-          </a:effectRef>
-          <a:fontRef idx="minor">
-            <a:schemeClr val="lt1"/>
-          </a:fontRef>
-        </p:style>
-        <p:txBody>
-          <a:bodyPr rtlCol="0" anchor="ctr"/>
-          <a:lstStyle/>
-          <a:p>
-            <a:pPr algn="ctr"/>
-            <a:r>
-              <a:rPr lang="ko-KR" altLang="en-US" dirty="0">
-                <a:solidFill>
-                  <a:schemeClr val="tx1"/>
-                </a:solidFill>
-              </a:rPr>
-              <a:t>회원 정보</a:t>
-            </a:r>
-          </a:p>
-        </p:txBody>
-      </p:sp>
       <p:pic>
         <p:nvPicPr>
-          <p:cNvPr id="8" name="그림 7">
-            <a:extLst>
-              <a:ext uri="{FF2B5EF4-FFF2-40B4-BE49-F238E27FC236}">
-                <a16:creationId xmlns:a16="http://schemas.microsoft.com/office/drawing/2014/main" id="{5FA76627-88F2-46A8-AC2C-6B03ACC8367D}"/>
+          <p:cNvPr id="5" name="그림 4">
+            <a:extLst>
+              <a:ext uri="{FF2B5EF4-FFF2-40B4-BE49-F238E27FC236}">
+                <a16:creationId xmlns:a16="http://schemas.microsoft.com/office/drawing/2014/main" id="{C78D7132-4FEF-4544-A012-5D123FEA274F}"/>
               </a:ext>
             </a:extLst>
           </p:cNvPr>
@@ -4168,17 +4115,23 @@
           <p:nvPr/>
         </p:nvPicPr>
         <p:blipFill>
-          <a:blip r:embed="rId2"/>
+          <a:blip r:embed="rId2">
+            <a:extLst>
+              <a:ext uri="{28A0092B-C50C-407E-A947-70E740481C1C}">
+                <a14:useLocalDpi xmlns:a14="http://schemas.microsoft.com/office/drawing/2010/main" val="0"/>
+              </a:ext>
+            </a:extLst>
+          </a:blip>
           <a:stretch>
             <a:fillRect/>
           </a:stretch>
         </p:blipFill>
         <p:spPr>
           <a:xfrm>
-            <a:off x="3355321" y="1558645"/>
-            <a:ext cx="4943475" cy="4714875"/>
+            <a:off x="0" y="711309"/>
+            <a:ext cx="12192000" cy="5435382"/>
           </a:xfrm>
-          <a:prstGeom prst="round1Rect">
+          <a:prstGeom prst="rect">
             <a:avLst/>
           </a:prstGeom>
         </p:spPr>
@@ -4186,7 +4139,7 @@
     </p:spTree>
     <p:extLst>
       <p:ext uri="{BB962C8B-B14F-4D97-AF65-F5344CB8AC3E}">
-        <p14:creationId xmlns:p14="http://schemas.microsoft.com/office/powerpoint/2010/main" val="59156204"/>
+        <p14:creationId xmlns:p14="http://schemas.microsoft.com/office/powerpoint/2010/main" val="2974955949"/>
       </p:ext>
     </p:extLst>
   </p:cSld>
@@ -4218,7 +4171,7 @@
           <p:cNvPr id="5" name="그림 4">
             <a:extLst>
               <a:ext uri="{FF2B5EF4-FFF2-40B4-BE49-F238E27FC236}">
-                <a16:creationId xmlns:a16="http://schemas.microsoft.com/office/drawing/2014/main" id="{C78D7132-4FEF-4544-A012-5D123FEA274F}"/>
+                <a16:creationId xmlns:a16="http://schemas.microsoft.com/office/drawing/2014/main" id="{EEBCE4DA-DAC7-4A76-8020-2547F18E08B5}"/>
               </a:ext>
             </a:extLst>
           </p:cNvPr>
@@ -4241,8 +4194,8 @@
         </p:blipFill>
         <p:spPr>
           <a:xfrm>
-            <a:off x="0" y="711309"/>
-            <a:ext cx="12192000" cy="5435382"/>
+            <a:off x="0" y="695538"/>
+            <a:ext cx="12192000" cy="4196924"/>
           </a:xfrm>
           <a:prstGeom prst="rect">
             <a:avLst/>
@@ -4252,7 +4205,121 @@
     </p:spTree>
     <p:extLst>
       <p:ext uri="{BB962C8B-B14F-4D97-AF65-F5344CB8AC3E}">
-        <p14:creationId xmlns:p14="http://schemas.microsoft.com/office/powerpoint/2010/main" val="2974955949"/>
+        <p14:creationId xmlns:p14="http://schemas.microsoft.com/office/powerpoint/2010/main" val="1060361767"/>
+      </p:ext>
+    </p:extLst>
+  </p:cSld>
+  <p:clrMapOvr>
+    <a:masterClrMapping/>
+  </p:clrMapOvr>
+</p:sld>
+</file>
+
+<file path=ppt/slides/slide9.xml><?xml version="1.0" encoding="utf-8"?>
+<p:sld xmlns:a="http://schemas.openxmlformats.org/drawingml/2006/main" xmlns:r="http://schemas.openxmlformats.org/officeDocument/2006/relationships" xmlns:p="http://schemas.openxmlformats.org/presentationml/2006/main">
+  <p:cSld>
+    <p:spTree>
+      <p:nvGrpSpPr>
+        <p:cNvPr id="1" name=""/>
+        <p:cNvGrpSpPr/>
+        <p:nvPr/>
+      </p:nvGrpSpPr>
+      <p:grpSpPr>
+        <a:xfrm>
+          <a:off x="0" y="0"/>
+          <a:ext cx="0" cy="0"/>
+          <a:chOff x="0" y="0"/>
+          <a:chExt cx="0" cy="0"/>
+        </a:xfrm>
+      </p:grpSpPr>
+      <p:sp>
+        <p:nvSpPr>
+          <p:cNvPr id="6" name="직사각형 5">
+            <a:extLst>
+              <a:ext uri="{FF2B5EF4-FFF2-40B4-BE49-F238E27FC236}">
+                <a16:creationId xmlns:a16="http://schemas.microsoft.com/office/drawing/2014/main" id="{CEED6A51-3844-408C-8D43-9FAFC83F612F}"/>
+              </a:ext>
+            </a:extLst>
+          </p:cNvPr>
+          <p:cNvSpPr/>
+          <p:nvPr/>
+        </p:nvSpPr>
+        <p:spPr>
+          <a:xfrm>
+            <a:off x="340659" y="251012"/>
+            <a:ext cx="11403106" cy="860612"/>
+          </a:xfrm>
+          <a:prstGeom prst="rect">
+            <a:avLst/>
+          </a:prstGeom>
+          <a:noFill/>
+        </p:spPr>
+        <p:style>
+          <a:lnRef idx="2">
+            <a:schemeClr val="accent1">
+              <a:shade val="50000"/>
+            </a:schemeClr>
+          </a:lnRef>
+          <a:fillRef idx="1">
+            <a:schemeClr val="accent1"/>
+          </a:fillRef>
+          <a:effectRef idx="0">
+            <a:schemeClr val="accent1"/>
+          </a:effectRef>
+          <a:fontRef idx="minor">
+            <a:schemeClr val="lt1"/>
+          </a:fontRef>
+        </p:style>
+        <p:txBody>
+          <a:bodyPr rtlCol="0" anchor="ctr"/>
+          <a:lstStyle/>
+          <a:p>
+            <a:pPr algn="ctr"/>
+            <a:r>
+              <a:rPr lang="ko-KR" altLang="en-US" dirty="0">
+                <a:solidFill>
+                  <a:schemeClr val="tx1"/>
+                </a:solidFill>
+              </a:rPr>
+              <a:t>회원 정보</a:t>
+            </a:r>
+          </a:p>
+        </p:txBody>
+      </p:sp>
+      <p:pic>
+        <p:nvPicPr>
+          <p:cNvPr id="8" name="그림 7">
+            <a:extLst>
+              <a:ext uri="{FF2B5EF4-FFF2-40B4-BE49-F238E27FC236}">
+                <a16:creationId xmlns:a16="http://schemas.microsoft.com/office/drawing/2014/main" id="{5FA76627-88F2-46A8-AC2C-6B03ACC8367D}"/>
+              </a:ext>
+            </a:extLst>
+          </p:cNvPr>
+          <p:cNvPicPr>
+            <a:picLocks noChangeAspect="1"/>
+          </p:cNvPicPr>
+          <p:nvPr/>
+        </p:nvPicPr>
+        <p:blipFill>
+          <a:blip r:embed="rId2"/>
+          <a:stretch>
+            <a:fillRect/>
+          </a:stretch>
+        </p:blipFill>
+        <p:spPr>
+          <a:xfrm>
+            <a:off x="3355321" y="1558645"/>
+            <a:ext cx="4943475" cy="4714875"/>
+          </a:xfrm>
+          <a:prstGeom prst="round1Rect">
+            <a:avLst/>
+          </a:prstGeom>
+        </p:spPr>
+      </p:pic>
+    </p:spTree>
+    <p:extLst>
+      <p:ext uri="{BB962C8B-B14F-4D97-AF65-F5344CB8AC3E}">
+        <p14:creationId xmlns:p14="http://schemas.microsoft.com/office/powerpoint/2010/main" val="59156204"/>
       </p:ext>
     </p:extLst>
   </p:cSld>
